--- a/Presentation final.pptx
+++ b/Presentation final.pptx
@@ -168,6 +168,351 @@
 </p:presentation>
 </file>
 
+<file path=ppt/revisionInfo.xml><?xml version="1.0" encoding="utf-8"?>
+<p1510:revInfo xmlns:a="http://schemas.openxmlformats.org/drawingml/2006/main" xmlns:r="http://schemas.openxmlformats.org/officeDocument/2006/relationships" xmlns:p1510="http://schemas.microsoft.com/office/powerpoint/2015/10/main">
+  <p1510:revLst>
+    <p1510:client id="{9FFEA103-0775-42B9-88A1-25E1C5490958}" v="4" dt="2025-04-18T03:50:11.746"/>
+  </p1510:revLst>
+</p1510:revInfo>
+</file>
+
+<file path=ppt/changesInfos/changesInfo1.xml><?xml version="1.0" encoding="utf-8"?>
+<pc:chgInfo xmlns:a="http://schemas.openxmlformats.org/drawingml/2006/main" xmlns:r="http://schemas.openxmlformats.org/officeDocument/2006/relationships" xmlns:ac="http://schemas.microsoft.com/office/drawing/2013/main/command" xmlns:pc="http://schemas.microsoft.com/office/powerpoint/2013/main/command">
+  <pc:docChgLst>
+    <pc:chgData name="Anh Lê Nhựt" userId="ce335bfc-4504-48d9-8a0b-1b27029ec2fa" providerId="ADAL" clId="{9FFEA103-0775-42B9-88A1-25E1C5490958}"/>
+    <pc:docChg chg="custSel modMainMaster">
+      <pc:chgData name="Anh Lê Nhựt" userId="ce335bfc-4504-48d9-8a0b-1b27029ec2fa" providerId="ADAL" clId="{9FFEA103-0775-42B9-88A1-25E1C5490958}" dt="2025-04-18T03:50:34.280" v="17" actId="2085"/>
+      <pc:docMkLst>
+        <pc:docMk/>
+      </pc:docMkLst>
+      <pc:sldMasterChg chg="modSldLayout">
+        <pc:chgData name="Anh Lê Nhựt" userId="ce335bfc-4504-48d9-8a0b-1b27029ec2fa" providerId="ADAL" clId="{9FFEA103-0775-42B9-88A1-25E1C5490958}" dt="2025-04-18T03:50:34.280" v="17" actId="2085"/>
+        <pc:sldMasterMkLst>
+          <pc:docMk/>
+          <pc:sldMasterMk cId="126112302" sldId="2147483648"/>
+        </pc:sldMasterMkLst>
+        <pc:sldLayoutChg chg="addSp delSp modSp mod setBg">
+          <pc:chgData name="Anh Lê Nhựt" userId="ce335bfc-4504-48d9-8a0b-1b27029ec2fa" providerId="ADAL" clId="{9FFEA103-0775-42B9-88A1-25E1C5490958}" dt="2025-04-18T03:50:34.280" v="17" actId="2085"/>
+          <pc:sldLayoutMkLst>
+            <pc:docMk/>
+            <pc:sldMasterMk cId="126112302" sldId="2147483648"/>
+            <pc:sldLayoutMk cId="1551547976" sldId="2147483649"/>
+          </pc:sldLayoutMkLst>
+          <pc:spChg chg="del mod">
+            <ac:chgData name="Anh Lê Nhựt" userId="ce335bfc-4504-48d9-8a0b-1b27029ec2fa" providerId="ADAL" clId="{9FFEA103-0775-42B9-88A1-25E1C5490958}" dt="2025-04-18T03:50:11.407" v="13" actId="478"/>
+            <ac:spMkLst>
+              <pc:docMk/>
+              <pc:sldMasterMk cId="126112302" sldId="2147483648"/>
+              <pc:sldLayoutMk cId="1551547976" sldId="2147483649"/>
+              <ac:spMk id="8" creationId="{0029DBDF-7EDC-5CB9-CC04-5DF30DEC4446}"/>
+            </ac:spMkLst>
+          </pc:spChg>
+          <pc:spChg chg="add mod ord">
+            <ac:chgData name="Anh Lê Nhựt" userId="ce335bfc-4504-48d9-8a0b-1b27029ec2fa" providerId="ADAL" clId="{9FFEA103-0775-42B9-88A1-25E1C5490958}" dt="2025-04-18T03:50:34.280" v="17" actId="2085"/>
+            <ac:spMkLst>
+              <pc:docMk/>
+              <pc:sldMasterMk cId="126112302" sldId="2147483648"/>
+              <pc:sldLayoutMk cId="1551547976" sldId="2147483649"/>
+              <ac:spMk id="11" creationId="{049DA0B9-77AF-0872-4D6E-7208FE495D97}"/>
+            </ac:spMkLst>
+          </pc:spChg>
+          <pc:cxnChg chg="add mod">
+            <ac:chgData name="Anh Lê Nhựt" userId="ce335bfc-4504-48d9-8a0b-1b27029ec2fa" providerId="ADAL" clId="{9FFEA103-0775-42B9-88A1-25E1C5490958}" dt="2025-04-18T03:48:28.448" v="1" actId="208"/>
+            <ac:cxnSpMkLst>
+              <pc:docMk/>
+              <pc:sldMasterMk cId="126112302" sldId="2147483648"/>
+              <pc:sldLayoutMk cId="1551547976" sldId="2147483649"/>
+              <ac:cxnSpMk id="7" creationId="{6B1547A7-AB02-6973-4A08-4C285AC91D73}"/>
+            </ac:cxnSpMkLst>
+          </pc:cxnChg>
+          <pc:cxnChg chg="add mod">
+            <ac:chgData name="Anh Lê Nhựt" userId="ce335bfc-4504-48d9-8a0b-1b27029ec2fa" providerId="ADAL" clId="{9FFEA103-0775-42B9-88A1-25E1C5490958}" dt="2025-04-18T03:48:28.448" v="1" actId="208"/>
+            <ac:cxnSpMkLst>
+              <pc:docMk/>
+              <pc:sldMasterMk cId="126112302" sldId="2147483648"/>
+              <pc:sldLayoutMk cId="1551547976" sldId="2147483649"/>
+              <ac:cxnSpMk id="10" creationId="{5E7D9A51-61D6-D997-D1C4-9E8D1A3E004C}"/>
+            </ac:cxnSpMkLst>
+          </pc:cxnChg>
+        </pc:sldLayoutChg>
+        <pc:sldLayoutChg chg="addSp delSp modSp mod">
+          <pc:chgData name="Anh Lê Nhựt" userId="ce335bfc-4504-48d9-8a0b-1b27029ec2fa" providerId="ADAL" clId="{9FFEA103-0775-42B9-88A1-25E1C5490958}" dt="2025-04-18T03:50:28.088" v="16" actId="478"/>
+          <pc:sldLayoutMkLst>
+            <pc:docMk/>
+            <pc:sldMasterMk cId="126112302" sldId="2147483648"/>
+            <pc:sldLayoutMk cId="3093300535" sldId="2147483650"/>
+          </pc:sldLayoutMkLst>
+          <pc:spChg chg="add del mod">
+            <ac:chgData name="Anh Lê Nhựt" userId="ce335bfc-4504-48d9-8a0b-1b27029ec2fa" providerId="ADAL" clId="{9FFEA103-0775-42B9-88A1-25E1C5490958}" dt="2025-04-18T03:50:28.088" v="16" actId="478"/>
+            <ac:spMkLst>
+              <pc:docMk/>
+              <pc:sldMasterMk cId="126112302" sldId="2147483648"/>
+              <pc:sldLayoutMk cId="3093300535" sldId="2147483650"/>
+              <ac:spMk id="7" creationId="{00357939-75F4-9FBD-0B2A-258B0FE61D1E}"/>
+            </ac:spMkLst>
+          </pc:spChg>
+        </pc:sldLayoutChg>
+      </pc:sldMasterChg>
+    </pc:docChg>
+  </pc:docChgLst>
+  <pc:docChgLst>
+    <pc:chgData name="Anh Lê Nhựt" userId="ce335bfc-4504-48d9-8a0b-1b27029ec2fa" providerId="ADAL" clId="{8666D3C1-F08B-451F-8134-D37F0C144CB2}"/>
+    <pc:docChg chg="undo custSel modSld modMainMaster">
+      <pc:chgData name="Anh Lê Nhựt" userId="ce335bfc-4504-48d9-8a0b-1b27029ec2fa" providerId="ADAL" clId="{8666D3C1-F08B-451F-8134-D37F0C144CB2}" dt="2025-04-14T02:51:43.950" v="132" actId="207"/>
+      <pc:docMkLst>
+        <pc:docMk/>
+      </pc:docMkLst>
+      <pc:sldChg chg="delSp modSp mod modAnim">
+        <pc:chgData name="Anh Lê Nhựt" userId="ce335bfc-4504-48d9-8a0b-1b27029ec2fa" providerId="ADAL" clId="{8666D3C1-F08B-451F-8134-D37F0C144CB2}" dt="2025-04-14T02:20:17.485" v="120" actId="27636"/>
+        <pc:sldMkLst>
+          <pc:docMk/>
+          <pc:sldMk cId="3917259760" sldId="258"/>
+        </pc:sldMkLst>
+        <pc:spChg chg="mod">
+          <ac:chgData name="Anh Lê Nhựt" userId="ce335bfc-4504-48d9-8a0b-1b27029ec2fa" providerId="ADAL" clId="{8666D3C1-F08B-451F-8134-D37F0C144CB2}" dt="2025-04-14T02:20:02.776" v="112" actId="404"/>
+          <ac:spMkLst>
+            <pc:docMk/>
+            <pc:sldMk cId="3917259760" sldId="258"/>
+            <ac:spMk id="7" creationId="{1267C659-344F-2DB3-E815-5D68E4B84869}"/>
+          </ac:spMkLst>
+        </pc:spChg>
+        <pc:spChg chg="mod">
+          <ac:chgData name="Anh Lê Nhựt" userId="ce335bfc-4504-48d9-8a0b-1b27029ec2fa" providerId="ADAL" clId="{8666D3C1-F08B-451F-8134-D37F0C144CB2}" dt="2025-04-14T02:20:17.485" v="120" actId="27636"/>
+          <ac:spMkLst>
+            <pc:docMk/>
+            <pc:sldMk cId="3917259760" sldId="258"/>
+            <ac:spMk id="8" creationId="{6A832F14-4D8E-9AEC-04D9-724D5FA85BDC}"/>
+          </ac:spMkLst>
+        </pc:spChg>
+      </pc:sldChg>
+      <pc:sldChg chg="delSp modSp mod modAnim">
+        <pc:chgData name="Anh Lê Nhựt" userId="ce335bfc-4504-48d9-8a0b-1b27029ec2fa" providerId="ADAL" clId="{8666D3C1-F08B-451F-8134-D37F0C144CB2}" dt="2025-04-14T02:51:43.950" v="132" actId="207"/>
+        <pc:sldMkLst>
+          <pc:docMk/>
+          <pc:sldMk cId="3710415937" sldId="266"/>
+        </pc:sldMkLst>
+        <pc:spChg chg="mod">
+          <ac:chgData name="Anh Lê Nhựt" userId="ce335bfc-4504-48d9-8a0b-1b27029ec2fa" providerId="ADAL" clId="{8666D3C1-F08B-451F-8134-D37F0C144CB2}" dt="2025-04-14T02:51:43.950" v="132" actId="207"/>
+          <ac:spMkLst>
+            <pc:docMk/>
+            <pc:sldMk cId="3710415937" sldId="266"/>
+            <ac:spMk id="10" creationId="{E38CECC6-3CF2-8811-0DF7-DF972A4E8E25}"/>
+          </ac:spMkLst>
+        </pc:spChg>
+        <pc:spChg chg="mod">
+          <ac:chgData name="Anh Lê Nhựt" userId="ce335bfc-4504-48d9-8a0b-1b27029ec2fa" providerId="ADAL" clId="{8666D3C1-F08B-451F-8134-D37F0C144CB2}" dt="2025-04-14T02:51:41.003" v="131" actId="207"/>
+          <ac:spMkLst>
+            <pc:docMk/>
+            <pc:sldMk cId="3710415937" sldId="266"/>
+            <ac:spMk id="14" creationId="{EAAF56C0-09E9-FD0E-ED4D-286409983452}"/>
+          </ac:spMkLst>
+        </pc:spChg>
+        <pc:picChg chg="mod">
+          <ac:chgData name="Anh Lê Nhựt" userId="ce335bfc-4504-48d9-8a0b-1b27029ec2fa" providerId="ADAL" clId="{8666D3C1-F08B-451F-8134-D37F0C144CB2}" dt="2025-04-14T01:43:57.602" v="97" actId="1076"/>
+          <ac:picMkLst>
+            <pc:docMk/>
+            <pc:sldMk cId="3710415937" sldId="266"/>
+            <ac:picMk id="13" creationId="{A25F3A84-E7F5-DDF0-5B6D-B3EF3DCF8CA1}"/>
+          </ac:picMkLst>
+        </pc:picChg>
+      </pc:sldChg>
+      <pc:sldChg chg="addSp delSp modSp mod modAnim">
+        <pc:chgData name="Anh Lê Nhựt" userId="ce335bfc-4504-48d9-8a0b-1b27029ec2fa" providerId="ADAL" clId="{8666D3C1-F08B-451F-8134-D37F0C144CB2}" dt="2025-04-14T02:20:21.565" v="121" actId="113"/>
+        <pc:sldMkLst>
+          <pc:docMk/>
+          <pc:sldMk cId="2339652093" sldId="284"/>
+        </pc:sldMkLst>
+        <pc:spChg chg="mod">
+          <ac:chgData name="Anh Lê Nhựt" userId="ce335bfc-4504-48d9-8a0b-1b27029ec2fa" providerId="ADAL" clId="{8666D3C1-F08B-451F-8134-D37F0C144CB2}" dt="2025-04-14T01:42:42.687" v="94" actId="207"/>
+          <ac:spMkLst>
+            <pc:docMk/>
+            <pc:sldMk cId="2339652093" sldId="284"/>
+            <ac:spMk id="8" creationId="{983F4039-A3F0-5C39-C753-1BEE6CF8DA22}"/>
+          </ac:spMkLst>
+        </pc:spChg>
+        <pc:spChg chg="mod">
+          <ac:chgData name="Anh Lê Nhựt" userId="ce335bfc-4504-48d9-8a0b-1b27029ec2fa" providerId="ADAL" clId="{8666D3C1-F08B-451F-8134-D37F0C144CB2}" dt="2025-04-14T02:20:21.565" v="121" actId="113"/>
+          <ac:spMkLst>
+            <pc:docMk/>
+            <pc:sldMk cId="2339652093" sldId="284"/>
+            <ac:spMk id="11" creationId="{B083BE56-A3EC-E56C-3A7C-BFA17BB4ACAD}"/>
+          </ac:spMkLst>
+        </pc:spChg>
+      </pc:sldChg>
+      <pc:sldChg chg="modAnim">
+        <pc:chgData name="Anh Lê Nhựt" userId="ce335bfc-4504-48d9-8a0b-1b27029ec2fa" providerId="ADAL" clId="{8666D3C1-F08B-451F-8134-D37F0C144CB2}" dt="2025-04-11T06:51:56.287" v="5"/>
+        <pc:sldMkLst>
+          <pc:docMk/>
+          <pc:sldMk cId="363635231" sldId="286"/>
+        </pc:sldMkLst>
+      </pc:sldChg>
+      <pc:sldChg chg="delSp modSp mod modAnim">
+        <pc:chgData name="Anh Lê Nhựt" userId="ce335bfc-4504-48d9-8a0b-1b27029ec2fa" providerId="ADAL" clId="{8666D3C1-F08B-451F-8134-D37F0C144CB2}" dt="2025-04-14T02:20:37.343" v="123" actId="255"/>
+        <pc:sldMkLst>
+          <pc:docMk/>
+          <pc:sldMk cId="318877602" sldId="288"/>
+        </pc:sldMkLst>
+        <pc:spChg chg="mod">
+          <ac:chgData name="Anh Lê Nhựt" userId="ce335bfc-4504-48d9-8a0b-1b27029ec2fa" providerId="ADAL" clId="{8666D3C1-F08B-451F-8134-D37F0C144CB2}" dt="2025-04-14T02:20:33.406" v="122" actId="255"/>
+          <ac:spMkLst>
+            <pc:docMk/>
+            <pc:sldMk cId="318877602" sldId="288"/>
+            <ac:spMk id="7" creationId="{DFB1B748-9462-DBE0-BF71-74BF338F36F0}"/>
+          </ac:spMkLst>
+        </pc:spChg>
+        <pc:spChg chg="mod">
+          <ac:chgData name="Anh Lê Nhựt" userId="ce335bfc-4504-48d9-8a0b-1b27029ec2fa" providerId="ADAL" clId="{8666D3C1-F08B-451F-8134-D37F0C144CB2}" dt="2025-04-14T02:20:37.343" v="123" actId="255"/>
+          <ac:spMkLst>
+            <pc:docMk/>
+            <pc:sldMk cId="318877602" sldId="288"/>
+            <ac:spMk id="8" creationId="{95B4DE4F-F33B-3530-0BC6-D456311B32C6}"/>
+          </ac:spMkLst>
+        </pc:spChg>
+      </pc:sldChg>
+      <pc:sldChg chg="delSp modSp mod modAnim">
+        <pc:chgData name="Anh Lê Nhựt" userId="ce335bfc-4504-48d9-8a0b-1b27029ec2fa" providerId="ADAL" clId="{8666D3C1-F08B-451F-8134-D37F0C144CB2}" dt="2025-04-14T02:20:59.085" v="125" actId="255"/>
+        <pc:sldMkLst>
+          <pc:docMk/>
+          <pc:sldMk cId="2834960307" sldId="292"/>
+        </pc:sldMkLst>
+        <pc:spChg chg="mod">
+          <ac:chgData name="Anh Lê Nhựt" userId="ce335bfc-4504-48d9-8a0b-1b27029ec2fa" providerId="ADAL" clId="{8666D3C1-F08B-451F-8134-D37F0C144CB2}" dt="2025-04-14T02:20:53.903" v="124" actId="255"/>
+          <ac:spMkLst>
+            <pc:docMk/>
+            <pc:sldMk cId="2834960307" sldId="292"/>
+            <ac:spMk id="7" creationId="{3F2EEA59-1BE9-9924-9427-5302396A1E20}"/>
+          </ac:spMkLst>
+        </pc:spChg>
+        <pc:spChg chg="mod">
+          <ac:chgData name="Anh Lê Nhựt" userId="ce335bfc-4504-48d9-8a0b-1b27029ec2fa" providerId="ADAL" clId="{8666D3C1-F08B-451F-8134-D37F0C144CB2}" dt="2025-04-14T02:20:59.085" v="125" actId="255"/>
+          <ac:spMkLst>
+            <pc:docMk/>
+            <pc:sldMk cId="2834960307" sldId="292"/>
+            <ac:spMk id="8" creationId="{9C71B799-6BBD-8670-6ABC-E46CDFDA32B6}"/>
+          </ac:spMkLst>
+        </pc:spChg>
+      </pc:sldChg>
+      <pc:sldChg chg="modSp modAnim">
+        <pc:chgData name="Anh Lê Nhựt" userId="ce335bfc-4504-48d9-8a0b-1b27029ec2fa" providerId="ADAL" clId="{8666D3C1-F08B-451F-8134-D37F0C144CB2}" dt="2025-04-11T06:58:19.326" v="29" actId="20577"/>
+        <pc:sldMkLst>
+          <pc:docMk/>
+          <pc:sldMk cId="1759081649" sldId="293"/>
+        </pc:sldMkLst>
+        <pc:spChg chg="mod">
+          <ac:chgData name="Anh Lê Nhựt" userId="ce335bfc-4504-48d9-8a0b-1b27029ec2fa" providerId="ADAL" clId="{8666D3C1-F08B-451F-8134-D37F0C144CB2}" dt="2025-04-11T06:58:19.326" v="29" actId="20577"/>
+          <ac:spMkLst>
+            <pc:docMk/>
+            <pc:sldMk cId="1759081649" sldId="293"/>
+            <ac:spMk id="19" creationId="{527BF376-D193-6435-4719-511B7F6E8665}"/>
+          </ac:spMkLst>
+        </pc:spChg>
+      </pc:sldChg>
+      <pc:sldChg chg="delSp modSp mod modAnim">
+        <pc:chgData name="Anh Lê Nhựt" userId="ce335bfc-4504-48d9-8a0b-1b27029ec2fa" providerId="ADAL" clId="{8666D3C1-F08B-451F-8134-D37F0C144CB2}" dt="2025-04-14T02:21:10.721" v="127" actId="255"/>
+        <pc:sldMkLst>
+          <pc:docMk/>
+          <pc:sldMk cId="3703728415" sldId="294"/>
+        </pc:sldMkLst>
+        <pc:spChg chg="mod">
+          <ac:chgData name="Anh Lê Nhựt" userId="ce335bfc-4504-48d9-8a0b-1b27029ec2fa" providerId="ADAL" clId="{8666D3C1-F08B-451F-8134-D37F0C144CB2}" dt="2025-04-14T02:21:05.874" v="126" actId="255"/>
+          <ac:spMkLst>
+            <pc:docMk/>
+            <pc:sldMk cId="3703728415" sldId="294"/>
+            <ac:spMk id="7" creationId="{4519E3A6-A079-DA3E-D1ED-E6E6B8E9B8D3}"/>
+          </ac:spMkLst>
+        </pc:spChg>
+        <pc:spChg chg="mod">
+          <ac:chgData name="Anh Lê Nhựt" userId="ce335bfc-4504-48d9-8a0b-1b27029ec2fa" providerId="ADAL" clId="{8666D3C1-F08B-451F-8134-D37F0C144CB2}" dt="2025-04-14T02:21:10.721" v="127" actId="255"/>
+          <ac:spMkLst>
+            <pc:docMk/>
+            <pc:sldMk cId="3703728415" sldId="294"/>
+            <ac:spMk id="8" creationId="{50170B9E-C22B-0F94-3730-D642DD9C2D66}"/>
+          </ac:spMkLst>
+        </pc:spChg>
+      </pc:sldChg>
+      <pc:sldMasterChg chg="modSldLayout">
+        <pc:chgData name="Anh Lê Nhựt" userId="ce335bfc-4504-48d9-8a0b-1b27029ec2fa" providerId="ADAL" clId="{8666D3C1-F08B-451F-8134-D37F0C144CB2}" dt="2025-04-14T02:13:44.906" v="107"/>
+        <pc:sldMasterMkLst>
+          <pc:docMk/>
+          <pc:sldMasterMk cId="126112302" sldId="2147483648"/>
+        </pc:sldMasterMkLst>
+        <pc:sldLayoutChg chg="addSp delSp modSp mod modAnim">
+          <pc:chgData name="Anh Lê Nhựt" userId="ce335bfc-4504-48d9-8a0b-1b27029ec2fa" providerId="ADAL" clId="{8666D3C1-F08B-451F-8134-D37F0C144CB2}" dt="2025-04-14T02:13:44.906" v="107"/>
+          <pc:sldLayoutMkLst>
+            <pc:docMk/>
+            <pc:sldMasterMk cId="126112302" sldId="2147483648"/>
+            <pc:sldLayoutMk cId="1551547976" sldId="2147483649"/>
+          </pc:sldLayoutMkLst>
+          <pc:spChg chg="mod">
+            <ac:chgData name="Anh Lê Nhựt" userId="ce335bfc-4504-48d9-8a0b-1b27029ec2fa" providerId="ADAL" clId="{8666D3C1-F08B-451F-8134-D37F0C144CB2}" dt="2025-04-14T01:37:52.120" v="36" actId="207"/>
+            <ac:spMkLst>
+              <pc:docMk/>
+              <pc:sldMasterMk cId="126112302" sldId="2147483648"/>
+              <pc:sldLayoutMk cId="1551547976" sldId="2147483649"/>
+              <ac:spMk id="2" creationId="{F5B7BA92-A914-0958-EADA-FBC455CC9B76}"/>
+            </ac:spMkLst>
+          </pc:spChg>
+          <pc:spChg chg="mod">
+            <ac:chgData name="Anh Lê Nhựt" userId="ce335bfc-4504-48d9-8a0b-1b27029ec2fa" providerId="ADAL" clId="{8666D3C1-F08B-451F-8134-D37F0C144CB2}" dt="2025-04-14T01:37:54.950" v="37" actId="207"/>
+            <ac:spMkLst>
+              <pc:docMk/>
+              <pc:sldMasterMk cId="126112302" sldId="2147483648"/>
+              <pc:sldLayoutMk cId="1551547976" sldId="2147483649"/>
+              <ac:spMk id="3" creationId="{E47B6903-69E9-7A04-A6F8-AE1C164738FF}"/>
+            </ac:spMkLst>
+          </pc:spChg>
+          <pc:spChg chg="mod">
+            <ac:chgData name="Anh Lê Nhựt" userId="ce335bfc-4504-48d9-8a0b-1b27029ec2fa" providerId="ADAL" clId="{8666D3C1-F08B-451F-8134-D37F0C144CB2}" dt="2025-04-14T01:38:04.957" v="41" actId="207"/>
+            <ac:spMkLst>
+              <pc:docMk/>
+              <pc:sldMasterMk cId="126112302" sldId="2147483648"/>
+              <pc:sldLayoutMk cId="1551547976" sldId="2147483649"/>
+              <ac:spMk id="4" creationId="{72076561-5C02-C5FA-8E58-E84E2015E2A4}"/>
+            </ac:spMkLst>
+          </pc:spChg>
+          <pc:spChg chg="mod">
+            <ac:chgData name="Anh Lê Nhựt" userId="ce335bfc-4504-48d9-8a0b-1b27029ec2fa" providerId="ADAL" clId="{8666D3C1-F08B-451F-8134-D37F0C144CB2}" dt="2025-04-14T01:38:02.185" v="40" actId="207"/>
+            <ac:spMkLst>
+              <pc:docMk/>
+              <pc:sldMasterMk cId="126112302" sldId="2147483648"/>
+              <pc:sldLayoutMk cId="1551547976" sldId="2147483649"/>
+              <ac:spMk id="5" creationId="{DAF9B2C8-EAE6-F27C-C253-F0E1B41E200D}"/>
+            </ac:spMkLst>
+          </pc:spChg>
+          <pc:spChg chg="mod">
+            <ac:chgData name="Anh Lê Nhựt" userId="ce335bfc-4504-48d9-8a0b-1b27029ec2fa" providerId="ADAL" clId="{8666D3C1-F08B-451F-8134-D37F0C144CB2}" dt="2025-04-14T01:38:07.898" v="42" actId="207"/>
+            <ac:spMkLst>
+              <pc:docMk/>
+              <pc:sldMasterMk cId="126112302" sldId="2147483648"/>
+              <pc:sldLayoutMk cId="1551547976" sldId="2147483649"/>
+              <ac:spMk id="6" creationId="{0FDFEF54-2980-DA3F-2905-05249D27915A}"/>
+            </ac:spMkLst>
+          </pc:spChg>
+          <pc:spChg chg="add mod ord">
+            <ac:chgData name="Anh Lê Nhựt" userId="ce335bfc-4504-48d9-8a0b-1b27029ec2fa" providerId="ADAL" clId="{8666D3C1-F08B-451F-8134-D37F0C144CB2}" dt="2025-04-14T02:13:42.567" v="106" actId="14100"/>
+            <ac:spMkLst>
+              <pc:docMk/>
+              <pc:sldMasterMk cId="126112302" sldId="2147483648"/>
+              <pc:sldLayoutMk cId="1551547976" sldId="2147483649"/>
+              <ac:spMk id="8" creationId="{0029DBDF-7EDC-5CB9-CC04-5DF30DEC4446}"/>
+            </ac:spMkLst>
+          </pc:spChg>
+          <pc:picChg chg="add mod ord modCrop">
+            <ac:chgData name="Anh Lê Nhựt" userId="ce335bfc-4504-48d9-8a0b-1b27029ec2fa" providerId="ADAL" clId="{8666D3C1-F08B-451F-8134-D37F0C144CB2}" dt="2025-04-14T01:42:16.370" v="91" actId="167"/>
+            <ac:picMkLst>
+              <pc:docMk/>
+              <pc:sldMasterMk cId="126112302" sldId="2147483648"/>
+              <pc:sldLayoutMk cId="1551547976" sldId="2147483649"/>
+              <ac:picMk id="9" creationId="{E849D8AD-CAA0-2EB0-4B5D-58523209A3EE}"/>
+            </ac:picMkLst>
+          </pc:picChg>
+        </pc:sldLayoutChg>
+      </pc:sldMasterChg>
+    </pc:docChg>
+  </pc:docChgLst>
+</pc:chgInfo>
+</file>
+
 <file path=ppt/handoutMasters/handoutMaster1.xml><?xml version="1.0" encoding="utf-8"?>
 <p:handoutMaster xmlns:a="http://schemas.openxmlformats.org/drawingml/2006/main" xmlns:r="http://schemas.openxmlformats.org/officeDocument/2006/relationships" xmlns:p="http://schemas.openxmlformats.org/presentationml/2006/main">
   <p:cSld>
@@ -262,7 +607,7 @@
           <a:p>
             <a:fld id="{2535718E-DBEC-4D5C-B109-E52C0629527E}" type="datetimeFigureOut">
               <a:rPr lang="en-US" smtClean="0"/>
-              <a:t>4/11/2025</a:t>
+              <a:t>4/18/2025</a:t>
             </a:fld>
             <a:endParaRPr lang="en-US"/>
           </a:p>
@@ -439,7 +784,7 @@
           <a:p>
             <a:fld id="{5A04CF0F-DE69-41C5-92B4-796AC641BA73}" type="datetimeFigureOut">
               <a:rPr lang="en-US" smtClean="0"/>
-              <a:t>4/11/2025</a:t>
+              <a:t>4/18/2025</a:t>
             </a:fld>
             <a:endParaRPr lang="en-US"/>
           </a:p>
@@ -707,27 +1052,12 @@
 </file>
 
 <file path=ppt/slideLayouts/slideLayout1.xml><?xml version="1.0" encoding="utf-8"?>
-<p:sldLayout xmlns:a="http://schemas.openxmlformats.org/drawingml/2006/main" xmlns:r="http://schemas.openxmlformats.org/officeDocument/2006/relationships" xmlns:p="http://schemas.openxmlformats.org/presentationml/2006/main" type="title" preserve="1">
+<p:sldLayout xmlns:a="http://schemas.openxmlformats.org/drawingml/2006/main" xmlns:r="http://schemas.openxmlformats.org/officeDocument/2006/relationships" xmlns:p="http://schemas.openxmlformats.org/presentationml/2006/main" showMasterSp="0" type="title" preserve="1">
   <p:cSld name="Title Slide">
     <p:bg>
-      <p:bgPr>
-        <a:gradFill>
-          <a:gsLst>
-            <a:gs pos="0">
-              <a:srgbClr val="BD4B8F">
-                <a:alpha val="100000"/>
-              </a:srgbClr>
-            </a:gs>
-            <a:gs pos="100000">
-              <a:srgbClr val="AE0BE4">
-                <a:alpha val="100000"/>
-              </a:srgbClr>
-            </a:gs>
-          </a:gsLst>
-          <a:lin ang="0" scaled="0"/>
-        </a:gradFill>
-        <a:effectLst/>
-      </p:bgPr>
+      <p:bgRef idx="1001">
+        <a:schemeClr val="bg1"/>
+      </p:bgRef>
     </p:bg>
     <p:spTree>
       <p:nvGrpSpPr>
@@ -745,82 +1075,106 @@
       </p:grpSpPr>
       <p:sp>
         <p:nvSpPr>
-          <p:cNvPr id="7" name="Freeform 3">
-            <a:extLst>
-              <a:ext uri="{FF2B5EF4-FFF2-40B4-BE49-F238E27FC236}">
-                <a16:creationId xmlns:a16="http://schemas.microsoft.com/office/drawing/2014/main" id="{33F2E5FD-DFF8-C8FD-D789-3F12C1B05AC7}"/>
-              </a:ext>
-            </a:extLst>
-          </p:cNvPr>
-          <p:cNvSpPr>
-            <a:spLocks noGrp="1" noRot="1" noMove="1" noResize="1" noEditPoints="1" noAdjustHandles="1" noChangeArrowheads="1" noChangeShapeType="1"/>
-          </p:cNvSpPr>
+          <p:cNvPr id="11" name="Rectangle: Rounded Corners 10">
+            <a:extLst>
+              <a:ext uri="{FF2B5EF4-FFF2-40B4-BE49-F238E27FC236}">
+                <a16:creationId xmlns:a16="http://schemas.microsoft.com/office/drawing/2014/main" id="{049DA0B9-77AF-0872-4D6E-7208FE495D97}"/>
+              </a:ext>
+            </a:extLst>
+          </p:cNvPr>
+          <p:cNvSpPr/>
           <p:nvPr userDrawn="1"/>
         </p:nvSpPr>
         <p:spPr>
           <a:xfrm>
-            <a:off x="240633" y="221382"/>
-            <a:ext cx="11710736" cy="6415238"/>
+            <a:off x="234462" y="216877"/>
+            <a:ext cx="11758246" cy="6430108"/>
           </a:xfrm>
-          <a:custGeom>
+          <a:prstGeom prst="roundRect">
+            <a:avLst>
+              <a:gd name="adj" fmla="val 1492"/>
+            </a:avLst>
+          </a:prstGeom>
+          <a:gradFill flip="none" rotWithShape="1">
+            <a:gsLst>
+              <a:gs pos="0">
+                <a:srgbClr val="0070C0"/>
+              </a:gs>
+              <a:gs pos="100000">
+                <a:srgbClr val="00B050"/>
+              </a:gs>
+            </a:gsLst>
+            <a:lin ang="8100000" scaled="1"/>
+            <a:tileRect/>
+          </a:gradFill>
+          <a:ln>
+            <a:noFill/>
+          </a:ln>
+        </p:spPr>
+        <p:style>
+          <a:lnRef idx="2">
+            <a:schemeClr val="accent1">
+              <a:shade val="15000"/>
+            </a:schemeClr>
+          </a:lnRef>
+          <a:fillRef idx="1">
+            <a:schemeClr val="accent1"/>
+          </a:fillRef>
+          <a:effectRef idx="0">
+            <a:schemeClr val="accent1"/>
+          </a:effectRef>
+          <a:fontRef idx="minor">
+            <a:schemeClr val="lt1"/>
+          </a:fontRef>
+        </p:style>
+        <p:txBody>
+          <a:bodyPr rtlCol="0" anchor="ctr"/>
+          <a:lstStyle/>
+          <a:p>
+            <a:pPr algn="ctr"/>
+            <a:endParaRPr lang="en-US">
+              <a:solidFill>
+                <a:schemeClr val="bg1"/>
+              </a:solidFill>
+            </a:endParaRPr>
+          </a:p>
+        </p:txBody>
+      </p:sp>
+      <p:pic>
+        <p:nvPicPr>
+          <p:cNvPr id="9" name="Picture 8">
+            <a:extLst>
+              <a:ext uri="{FF2B5EF4-FFF2-40B4-BE49-F238E27FC236}">
+                <a16:creationId xmlns:a16="http://schemas.microsoft.com/office/drawing/2014/main" id="{E849D8AD-CAA0-2EB0-4B5D-58523209A3EE}"/>
+              </a:ext>
+            </a:extLst>
+          </p:cNvPr>
+          <p:cNvPicPr>
+            <a:picLocks noChangeAspect="1"/>
+          </p:cNvPicPr>
+          <p:nvPr userDrawn="1"/>
+        </p:nvPicPr>
+        <p:blipFill>
+          <a:blip r:embed="rId2">
+            <a:extLst>
+              <a:ext uri="{28A0092B-C50C-407E-A947-70E740481C1C}">
+                <a14:useLocalDpi xmlns:a14="http://schemas.microsoft.com/office/drawing/2010/main" val="0"/>
+              </a:ext>
+            </a:extLst>
+          </a:blip>
+          <a:srcRect l="16656" t="19483" r="13922" b="19277"/>
+          <a:stretch/>
+        </p:blipFill>
+        <p:spPr>
+          <a:xfrm>
+            <a:off x="266940" y="325206"/>
+            <a:ext cx="1563220" cy="700975"/>
+          </a:xfrm>
+          <a:prstGeom prst="rect">
             <a:avLst/>
-            <a:gdLst/>
-            <a:ahLst/>
-            <a:cxnLst/>
-            <a:rect l="l" t="t" r="r" b="b"/>
-            <a:pathLst>
-              <a:path w="42561390" h="23495651">
-                <a:moveTo>
-                  <a:pt x="42256590" y="0"/>
-                </a:moveTo>
-                <a:lnTo>
-                  <a:pt x="304800" y="0"/>
-                </a:lnTo>
-                <a:cubicBezTo>
-                  <a:pt x="135890" y="0"/>
-                  <a:pt x="0" y="135890"/>
-                  <a:pt x="0" y="304800"/>
-                </a:cubicBezTo>
-                <a:lnTo>
-                  <a:pt x="0" y="23190851"/>
-                </a:lnTo>
-                <a:cubicBezTo>
-                  <a:pt x="0" y="23359760"/>
-                  <a:pt x="135890" y="23495651"/>
-                  <a:pt x="304800" y="23495651"/>
-                </a:cubicBezTo>
-                <a:lnTo>
-                  <a:pt x="42256590" y="23495651"/>
-                </a:lnTo>
-                <a:cubicBezTo>
-                  <a:pt x="42425500" y="23495651"/>
-                  <a:pt x="42561390" y="23359760"/>
-                  <a:pt x="42561390" y="23190851"/>
-                </a:cubicBezTo>
-                <a:lnTo>
-                  <a:pt x="42561390" y="304800"/>
-                </a:lnTo>
-                <a:cubicBezTo>
-                  <a:pt x="42561390" y="135890"/>
-                  <a:pt x="42425500" y="0"/>
-                  <a:pt x="42256590" y="0"/>
-                </a:cubicBezTo>
-                <a:close/>
-              </a:path>
-            </a:pathLst>
-          </a:custGeom>
-          <a:solidFill>
-            <a:srgbClr val="FFFFFF"/>
-          </a:solidFill>
+          </a:prstGeom>
         </p:spPr>
-        <p:txBody>
-          <a:bodyPr/>
-          <a:lstStyle/>
-          <a:p>
-            <a:endParaRPr lang="en-US" sz="3600"/>
-          </a:p>
-        </p:txBody>
-      </p:sp>
+      </p:pic>
       <p:sp>
         <p:nvSpPr>
           <p:cNvPr id="2" name="Title 1">
@@ -849,7 +1203,11 @@
           </a:bodyPr>
           <a:lstStyle>
             <a:lvl1pPr algn="ctr">
-              <a:defRPr sz="6000"/>
+              <a:defRPr sz="6000">
+                <a:solidFill>
+                  <a:schemeClr val="bg1"/>
+                </a:solidFill>
+              </a:defRPr>
             </a:lvl1pPr>
           </a:lstStyle>
           <a:p>
@@ -887,7 +1245,11 @@
           <a:lstStyle>
             <a:lvl1pPr marL="0" indent="0" algn="ctr">
               <a:buNone/>
-              <a:defRPr sz="2400"/>
+              <a:defRPr sz="2400">
+                <a:solidFill>
+                  <a:schemeClr val="bg1"/>
+                </a:solidFill>
+              </a:defRPr>
             </a:lvl1pPr>
             <a:lvl2pPr marL="457200" indent="0" algn="ctr">
               <a:buNone/>
@@ -956,13 +1318,18 @@
           <a:bodyPr/>
           <a:lstStyle>
             <a:lvl1pPr algn="ctr">
-              <a:defRPr sz="2100"/>
+              <a:defRPr sz="2100">
+                <a:solidFill>
+                  <a:schemeClr val="bg1"/>
+                </a:solidFill>
+              </a:defRPr>
             </a:lvl1pPr>
           </a:lstStyle>
           <a:p>
             <a:fld id="{E38E593E-12C5-4343-AE49-3296E0230206}" type="datetime1">
               <a:rPr lang="en-US" smtClean="0"/>
-              <a:t>4/11/2025</a:t>
+              <a:pPr/>
+              <a:t>4/18/2025</a:t>
             </a:fld>
             <a:endParaRPr lang="en-US"/>
           </a:p>
@@ -994,7 +1361,11 @@
           <a:bodyPr/>
           <a:lstStyle>
             <a:lvl1pPr algn="l">
-              <a:defRPr sz="2100"/>
+              <a:defRPr sz="2100">
+                <a:solidFill>
+                  <a:schemeClr val="bg1"/>
+                </a:solidFill>
+              </a:defRPr>
             </a:lvl1pPr>
           </a:lstStyle>
           <a:p>
@@ -1031,7 +1402,11 @@
           <a:bodyPr/>
           <a:lstStyle>
             <a:lvl1pPr>
-              <a:defRPr sz="2100"/>
+              <a:defRPr sz="2100">
+                <a:solidFill>
+                  <a:schemeClr val="bg1"/>
+                </a:solidFill>
+              </a:defRPr>
             </a:lvl1pPr>
           </a:lstStyle>
           <a:p>
@@ -1044,6 +1419,88 @@
           </a:p>
         </p:txBody>
       </p:sp>
+      <p:cxnSp>
+        <p:nvCxnSpPr>
+          <p:cNvPr id="7" name="Straight Connector 6">
+            <a:extLst>
+              <a:ext uri="{FF2B5EF4-FFF2-40B4-BE49-F238E27FC236}">
+                <a16:creationId xmlns:a16="http://schemas.microsoft.com/office/drawing/2014/main" id="{6B1547A7-AB02-6973-4A08-4C285AC91D73}"/>
+              </a:ext>
+            </a:extLst>
+          </p:cNvPr>
+          <p:cNvCxnSpPr/>
+          <p:nvPr userDrawn="1"/>
+        </p:nvCxnSpPr>
+        <p:spPr>
+          <a:xfrm>
+            <a:off x="341381" y="1051927"/>
+            <a:ext cx="11509238" cy="0"/>
+          </a:xfrm>
+          <a:prstGeom prst="line">
+            <a:avLst/>
+          </a:prstGeom>
+          <a:ln w="38100">
+            <a:solidFill>
+              <a:schemeClr val="bg1"/>
+            </a:solidFill>
+          </a:ln>
+        </p:spPr>
+        <p:style>
+          <a:lnRef idx="2">
+            <a:schemeClr val="accent1"/>
+          </a:lnRef>
+          <a:fillRef idx="0">
+            <a:schemeClr val="accent1"/>
+          </a:fillRef>
+          <a:effectRef idx="1">
+            <a:schemeClr val="accent1"/>
+          </a:effectRef>
+          <a:fontRef idx="minor">
+            <a:schemeClr val="tx1"/>
+          </a:fontRef>
+        </p:style>
+      </p:cxnSp>
+      <p:cxnSp>
+        <p:nvCxnSpPr>
+          <p:cNvPr id="10" name="Straight Connector 9">
+            <a:extLst>
+              <a:ext uri="{FF2B5EF4-FFF2-40B4-BE49-F238E27FC236}">
+                <a16:creationId xmlns:a16="http://schemas.microsoft.com/office/drawing/2014/main" id="{5E7D9A51-61D6-D997-D1C4-9E8D1A3E004C}"/>
+              </a:ext>
+            </a:extLst>
+          </p:cNvPr>
+          <p:cNvCxnSpPr/>
+          <p:nvPr userDrawn="1"/>
+        </p:nvCxnSpPr>
+        <p:spPr>
+          <a:xfrm>
+            <a:off x="341381" y="6150622"/>
+            <a:ext cx="11509238" cy="0"/>
+          </a:xfrm>
+          <a:prstGeom prst="line">
+            <a:avLst/>
+          </a:prstGeom>
+          <a:ln w="38100">
+            <a:solidFill>
+              <a:schemeClr val="bg1"/>
+            </a:solidFill>
+          </a:ln>
+        </p:spPr>
+        <p:style>
+          <a:lnRef idx="2">
+            <a:schemeClr val="accent1"/>
+          </a:lnRef>
+          <a:fillRef idx="0">
+            <a:schemeClr val="accent1"/>
+          </a:fillRef>
+          <a:effectRef idx="1">
+            <a:schemeClr val="accent1"/>
+          </a:effectRef>
+          <a:fontRef idx="minor">
+            <a:schemeClr val="tx1"/>
+          </a:fontRef>
+        </p:style>
+      </p:cxnSp>
     </p:spTree>
     <p:extLst>
       <p:ext uri="{BB962C8B-B14F-4D97-AF65-F5344CB8AC3E}">
@@ -1052,7 +1509,7 @@
     </p:extLst>
   </p:cSld>
   <p:clrMapOvr>
-    <a:masterClrMapping/>
+    <a:overrideClrMapping bg1="lt1" tx1="dk1" bg2="lt2" tx2="dk2" accent1="accent1" accent2="accent2" accent3="accent3" accent4="accent4" accent5="accent5" accent6="accent6" hlink="hlink" folHlink="folHlink"/>
   </p:clrMapOvr>
 </p:sldLayout>
 </file>
@@ -1182,7 +1639,7 @@
           <a:p>
             <a:fld id="{50F3EDA8-C775-41D7-8630-CF85EEADC100}" type="datetime1">
               <a:rPr lang="en-US" smtClean="0"/>
-              <a:t>4/11/2025</a:t>
+              <a:t>4/18/2025</a:t>
             </a:fld>
             <a:endParaRPr lang="en-US"/>
           </a:p>
@@ -1393,7 +1850,7 @@
           <a:p>
             <a:fld id="{D1B0CE7E-2A0D-487F-89B1-E390DD9E7EB0}" type="datetime1">
               <a:rPr lang="en-US" smtClean="0"/>
-              <a:t>4/11/2025</a:t>
+              <a:t>4/18/2025</a:t>
             </a:fld>
             <a:endParaRPr lang="en-US"/>
           </a:p>
@@ -1601,7 +2058,7 @@
           <a:p>
             <a:fld id="{FD93472B-631A-4C05-B95B-FCCF87CCACD1}" type="datetime1">
               <a:rPr lang="en-US" smtClean="0"/>
-              <a:t>4/11/2025</a:t>
+              <a:t>4/18/2025</a:t>
             </a:fld>
             <a:endParaRPr lang="en-US"/>
           </a:p>
@@ -1879,7 +2336,7 @@
           <a:p>
             <a:fld id="{C1B6F0BB-1AC5-4E47-B7E7-8105C0E27D97}" type="datetime1">
               <a:rPr lang="en-US" smtClean="0"/>
-              <a:t>4/11/2025</a:t>
+              <a:t>4/18/2025</a:t>
             </a:fld>
             <a:endParaRPr lang="en-US"/>
           </a:p>
@@ -2147,7 +2604,7 @@
           <a:p>
             <a:fld id="{717AD40D-3993-4552-B28E-43969BCE7ADB}" type="datetime1">
               <a:rPr lang="en-US" smtClean="0"/>
-              <a:t>4/11/2025</a:t>
+              <a:t>4/18/2025</a:t>
             </a:fld>
             <a:endParaRPr lang="en-US"/>
           </a:p>
@@ -2562,7 +3019,7 @@
           <a:p>
             <a:fld id="{A8E21F7D-2081-44E9-9E03-8BCD83023869}" type="datetime1">
               <a:rPr lang="en-US" smtClean="0"/>
-              <a:t>4/11/2025</a:t>
+              <a:t>4/18/2025</a:t>
             </a:fld>
             <a:endParaRPr lang="en-US"/>
           </a:p>
@@ -2706,7 +3163,7 @@
           <a:p>
             <a:fld id="{62AF0E8B-AB1D-4676-957B-B3B7B5F507B9}" type="datetime1">
               <a:rPr lang="en-US" smtClean="0"/>
-              <a:t>4/11/2025</a:t>
+              <a:t>4/18/2025</a:t>
             </a:fld>
             <a:endParaRPr lang="en-US"/>
           </a:p>
@@ -2822,7 +3279,7 @@
           <a:p>
             <a:fld id="{5B210F01-953E-4C1E-9B06-85815D8FF323}" type="datetime1">
               <a:rPr lang="en-US" smtClean="0"/>
-              <a:t>4/11/2025</a:t>
+              <a:t>4/18/2025</a:t>
             </a:fld>
             <a:endParaRPr lang="en-US"/>
           </a:p>
@@ -3136,7 +3593,7 @@
           <a:p>
             <a:fld id="{7B32A870-92C5-433D-8BAB-FFF81D94EF84}" type="datetime1">
               <a:rPr lang="en-US" smtClean="0"/>
-              <a:t>4/11/2025</a:t>
+              <a:t>4/18/2025</a:t>
             </a:fld>
             <a:endParaRPr lang="en-US"/>
           </a:p>
@@ -3427,7 +3884,7 @@
           <a:p>
             <a:fld id="{A050F5E6-728F-484C-BAFC-ECFA102AD353}" type="datetime1">
               <a:rPr lang="en-US" smtClean="0"/>
-              <a:t>4/11/2025</a:t>
+              <a:t>4/18/2025</a:t>
             </a:fld>
             <a:endParaRPr lang="en-US"/>
           </a:p>
@@ -3810,7 +4267,7 @@
           <a:p>
             <a:fld id="{41664687-7A81-4E9F-B19B-A3C8B5008EC1}" type="datetime1">
               <a:rPr lang="en-US" smtClean="0"/>
-              <a:t>4/11/2025</a:t>
+              <a:t>4/18/2025</a:t>
             </a:fld>
             <a:endParaRPr lang="en-US"/>
           </a:p>
@@ -4405,56 +4862,16 @@
           <a:lstStyle/>
           <a:p>
             <a:r>
-              <a:rPr lang="en-US">
-                <a:gradFill flip="none" rotWithShape="1">
-                  <a:gsLst>
-                    <a:gs pos="0">
-                      <a:srgbClr val="00B050"/>
-                    </a:gs>
-                    <a:gs pos="100000">
-                      <a:srgbClr val="0070C0"/>
-                    </a:gs>
-                  </a:gsLst>
-                  <a:lin ang="0" scaled="1"/>
-                  <a:tileRect/>
-                </a:gradFill>
-              </a:rPr>
+              <a:rPr lang="en-US"/>
               <a:t>SELLING DIGITAL DEVICES </a:t>
             </a:r>
             <a:br>
-              <a:rPr lang="en-US">
-                <a:gradFill flip="none" rotWithShape="1">
-                  <a:gsLst>
-                    <a:gs pos="0">
-                      <a:srgbClr val="00B050"/>
-                    </a:gs>
-                    <a:gs pos="100000">
-                      <a:srgbClr val="0070C0"/>
-                    </a:gs>
-                  </a:gsLst>
-                  <a:lin ang="0" scaled="1"/>
-                  <a:tileRect/>
-                </a:gradFill>
-              </a:rPr>
+              <a:rPr lang="en-US"/>
             </a:br>
             <a:r>
-              <a:rPr lang="en-US">
-                <a:gradFill flip="none" rotWithShape="1">
-                  <a:gsLst>
-                    <a:gs pos="0">
-                      <a:srgbClr val="00B050"/>
-                    </a:gs>
-                    <a:gs pos="100000">
-                      <a:srgbClr val="0070C0"/>
-                    </a:gs>
-                  </a:gsLst>
-                  <a:lin ang="0" scaled="1"/>
-                  <a:tileRect/>
-                </a:gradFill>
-              </a:rPr>
+              <a:rPr lang="en-US"/>
               <a:t>WEBSITE (ZENTRIX)</a:t>
             </a:r>
-            <a:endParaRPr lang="en-US"/>
           </a:p>
         </p:txBody>
       </p:sp>
@@ -4476,11 +4893,13 @@
         </p:nvSpPr>
         <p:spPr/>
         <p:txBody>
-          <a:bodyPr/>
-          <a:lstStyle/>
-          <a:p>
-            <a:r>
-              <a:rPr lang="en-US" b="1"/>
+          <a:bodyPr>
+            <a:normAutofit/>
+          </a:bodyPr>
+          <a:lstStyle/>
+          <a:p>
+            <a:r>
+              <a:rPr lang="en-US" sz="3600"/>
               <a:t>TEAM 3 – CT25_CPL_JAVA_01</a:t>
             </a:r>
           </a:p>
@@ -4509,7 +4928,7 @@
           <a:p>
             <a:fld id="{46B672E2-16AD-4BA9-A0C6-E64B1828366F}" type="datetime1">
               <a:rPr lang="en-US" smtClean="0"/>
-              <a:t>4/11/2025</a:t>
+              <a:t>4/18/2025</a:t>
             </a:fld>
             <a:endParaRPr lang="en-US"/>
           </a:p>
@@ -4573,41 +4992,6 @@
           </a:p>
         </p:txBody>
       </p:sp>
-      <p:pic>
-        <p:nvPicPr>
-          <p:cNvPr id="10" name="Picture 9" descr="A close-up of logos&#10;&#10;AI-generated content may be incorrect.">
-            <a:extLst>
-              <a:ext uri="{FF2B5EF4-FFF2-40B4-BE49-F238E27FC236}">
-                <a16:creationId xmlns:a16="http://schemas.microsoft.com/office/drawing/2014/main" id="{C33C8EFA-9CD3-5E2D-25BE-25C900DC9D6B}"/>
-              </a:ext>
-            </a:extLst>
-          </p:cNvPr>
-          <p:cNvPicPr>
-            <a:picLocks noChangeAspect="1"/>
-          </p:cNvPicPr>
-          <p:nvPr/>
-        </p:nvPicPr>
-        <p:blipFill>
-          <a:blip r:embed="rId2">
-            <a:extLst>
-              <a:ext uri="{28A0092B-C50C-407E-A947-70E740481C1C}">
-                <a14:useLocalDpi xmlns:a14="http://schemas.microsoft.com/office/drawing/2010/main" val="0"/>
-              </a:ext>
-            </a:extLst>
-          </a:blip>
-          <a:srcRect l="19397" t="10359" r="13231" b="13429"/>
-          <a:stretch/>
-        </p:blipFill>
-        <p:spPr>
-          <a:xfrm>
-            <a:off x="328174" y="221380"/>
-            <a:ext cx="1519084" cy="873512"/>
-          </a:xfrm>
-          <a:prstGeom prst="rect">
-            <a:avLst/>
-          </a:prstGeom>
-        </p:spPr>
-      </p:pic>
     </p:spTree>
     <p:extLst>
       <p:ext uri="{BB962C8B-B14F-4D97-AF65-F5344CB8AC3E}">
@@ -4707,7 +5091,7 @@
           <a:p>
             <a:fld id="{FD93472B-631A-4C05-B95B-FCCF87CCACD1}" type="datetime1">
               <a:rPr lang="en-US" smtClean="0"/>
-              <a:t>4/11/2025</a:t>
+              <a:t>4/18/2025</a:t>
             </a:fld>
             <a:endParaRPr lang="en-US"/>
           </a:p>
@@ -4827,13 +5211,13 @@
   <p:clrMapOvr>
     <a:masterClrMapping/>
   </p:clrMapOvr>
-  <mc:AlternateContent xmlns:mc="http://schemas.openxmlformats.org/markup-compatibility/2006">
-    <mc:Choice xmlns:p159="http://schemas.microsoft.com/office/powerpoint/2015/09/main" Requires="p159">
+  <mc:AlternateContent xmlns:mc="http://schemas.openxmlformats.org/markup-compatibility/2006" xmlns:p159="http://schemas.microsoft.com/office/powerpoint/2015/09/main">
+    <mc:Choice Requires="p159">
       <p:transition xmlns:p14="http://schemas.microsoft.com/office/powerpoint/2010/main" spd="slow" p14:dur="2000">
         <p159:morph option="byObject"/>
       </p:transition>
     </mc:Choice>
-    <mc:Fallback>
+    <mc:Fallback xmlns="">
       <p:transition spd="slow">
         <p:fade/>
       </p:transition>
@@ -4892,7 +5276,7 @@
           <a:lstStyle/>
           <a:p>
             <a:r>
-              <a:rPr lang="en-US" sz="4400"/>
+              <a:rPr lang="en-US"/>
               <a:t>SCENARIO</a:t>
             </a:r>
           </a:p>
@@ -4921,7 +5305,7 @@
           <a:p>
             <a:fld id="{1659C53C-9D51-47F6-A96E-1861044B74B7}" type="datetime1">
               <a:rPr lang="en-US" smtClean="0"/>
-              <a:t>4/11/2025</a:t>
+              <a:t>4/18/2025</a:t>
             </a:fld>
             <a:endParaRPr lang="en-US"/>
           </a:p>
@@ -4950,11 +5334,13 @@
           </a:xfrm>
         </p:spPr>
         <p:txBody>
-          <a:bodyPr/>
-          <a:lstStyle/>
-          <a:p>
-            <a:r>
-              <a:rPr lang="en-US"/>
+          <a:bodyPr>
+            <a:normAutofit/>
+          </a:bodyPr>
+          <a:lstStyle/>
+          <a:p>
+            <a:r>
+              <a:rPr lang="en-US" sz="3600"/>
               <a:t>TEAM 3 – CT25_CPL_JAVA_01</a:t>
             </a:r>
           </a:p>
@@ -5017,41 +5403,6 @@
           </a:p>
         </p:txBody>
       </p:sp>
-      <p:pic>
-        <p:nvPicPr>
-          <p:cNvPr id="2" name="Picture 1" descr="A close-up of logos&#10;&#10;AI-generated content may be incorrect.">
-            <a:extLst>
-              <a:ext uri="{FF2B5EF4-FFF2-40B4-BE49-F238E27FC236}">
-                <a16:creationId xmlns:a16="http://schemas.microsoft.com/office/drawing/2014/main" id="{2CB7659C-EDAD-3CFF-50D4-1AEC8F8F4876}"/>
-              </a:ext>
-            </a:extLst>
-          </p:cNvPr>
-          <p:cNvPicPr>
-            <a:picLocks noChangeAspect="1"/>
-          </p:cNvPicPr>
-          <p:nvPr/>
-        </p:nvPicPr>
-        <p:blipFill>
-          <a:blip r:embed="rId2">
-            <a:extLst>
-              <a:ext uri="{28A0092B-C50C-407E-A947-70E740481C1C}">
-                <a14:useLocalDpi xmlns:a14="http://schemas.microsoft.com/office/drawing/2010/main" val="0"/>
-              </a:ext>
-            </a:extLst>
-          </a:blip>
-          <a:srcRect l="19397" t="10359" r="13231" b="13429"/>
-          <a:stretch/>
-        </p:blipFill>
-        <p:spPr>
-          <a:xfrm>
-            <a:off x="328174" y="221380"/>
-            <a:ext cx="1519084" cy="873512"/>
-          </a:xfrm>
-          <a:prstGeom prst="rect">
-            <a:avLst/>
-          </a:prstGeom>
-        </p:spPr>
-      </p:pic>
     </p:spTree>
     <p:extLst>
       <p:ext uri="{BB962C8B-B14F-4D97-AF65-F5344CB8AC3E}">
@@ -5145,7 +5496,7 @@
           <a:p>
             <a:fld id="{FD93472B-631A-4C05-B95B-FCCF87CCACD1}" type="datetime1">
               <a:rPr lang="en-US" smtClean="0"/>
-              <a:t>4/11/2025</a:t>
+              <a:t>4/18/2025</a:t>
             </a:fld>
             <a:endParaRPr lang="en-US"/>
           </a:p>
@@ -6208,6 +6559,36 @@
               <a:t>Register</a:t>
             </a:r>
           </a:p>
+          <a:p>
+            <a:pPr algn="ctr"/>
+            <a:r>
+              <a:rPr lang="en-US" b="1">
+                <a:latin typeface="Arial" panose="020B0604020202020204" pitchFamily="34" charset="0"/>
+                <a:cs typeface="Arial" panose="020B0604020202020204" pitchFamily="34" charset="0"/>
+              </a:rPr>
+              <a:t>&amp;</a:t>
+            </a:r>
+          </a:p>
+          <a:p>
+            <a:pPr algn="ctr"/>
+            <a:r>
+              <a:rPr lang="en-US" b="1">
+                <a:latin typeface="Arial" panose="020B0604020202020204" pitchFamily="34" charset="0"/>
+                <a:cs typeface="Arial" panose="020B0604020202020204" pitchFamily="34" charset="0"/>
+              </a:rPr>
+              <a:t>Login</a:t>
+            </a:r>
+          </a:p>
+          <a:p>
+            <a:pPr algn="ctr"/>
+            <a:r>
+              <a:rPr lang="en-US" b="1">
+                <a:latin typeface="Arial" panose="020B0604020202020204" pitchFamily="34" charset="0"/>
+                <a:cs typeface="Arial" panose="020B0604020202020204" pitchFamily="34" charset="0"/>
+              </a:rPr>
+              <a:t>(Customer)</a:t>
+            </a:r>
+          </a:p>
         </p:txBody>
       </p:sp>
     </p:spTree>
@@ -6220,13 +6601,13 @@
   <p:clrMapOvr>
     <a:masterClrMapping/>
   </p:clrMapOvr>
-  <mc:AlternateContent xmlns:mc="http://schemas.openxmlformats.org/markup-compatibility/2006">
-    <mc:Choice xmlns:p14="http://schemas.microsoft.com/office/powerpoint/2010/main" Requires="p14">
+  <mc:AlternateContent xmlns:mc="http://schemas.openxmlformats.org/markup-compatibility/2006" xmlns:p14="http://schemas.microsoft.com/office/powerpoint/2010/main">
+    <mc:Choice Requires="p14">
       <p:transition spd="med" p14:dur="700">
         <p:fade/>
       </p:transition>
     </mc:Choice>
-    <mc:Fallback>
+    <mc:Fallback xmlns="">
       <p:transition spd="med">
         <p:fade/>
       </p:transition>
@@ -6256,7 +6637,7 @@
                             </p:stCondLst>
                             <p:childTnLst>
                               <p:par>
-                                <p:cTn id="5" presetID="12" presetClass="entr" presetSubtype="8" fill="hold" grpId="0" nodeType="afterEffect">
+                                <p:cTn id="5" presetID="12" presetClass="entr" presetSubtype="8" fill="hold" grpId="0" nodeType="withEffect">
                                   <p:stCondLst>
                                     <p:cond delay="0"/>
                                   </p:stCondLst>
@@ -7145,7 +7526,7 @@
           <a:lstStyle/>
           <a:p>
             <a:r>
-              <a:rPr lang="en-US" sz="4400"/>
+              <a:rPr lang="en-US"/>
               <a:t>DEMO</a:t>
             </a:r>
           </a:p>
@@ -7174,7 +7555,7 @@
           <a:p>
             <a:fld id="{1659C53C-9D51-47F6-A96E-1861044B74B7}" type="datetime1">
               <a:rPr lang="en-US" smtClean="0"/>
-              <a:t>4/11/2025</a:t>
+              <a:t>4/18/2025</a:t>
             </a:fld>
             <a:endParaRPr lang="en-US"/>
           </a:p>
@@ -7203,11 +7584,13 @@
           </a:xfrm>
         </p:spPr>
         <p:txBody>
-          <a:bodyPr/>
-          <a:lstStyle/>
-          <a:p>
-            <a:r>
-              <a:rPr lang="en-US"/>
+          <a:bodyPr>
+            <a:normAutofit/>
+          </a:bodyPr>
+          <a:lstStyle/>
+          <a:p>
+            <a:r>
+              <a:rPr lang="en-US" sz="3600"/>
               <a:t>TEAM 3 – CT25_CPL_JAVA_01</a:t>
             </a:r>
           </a:p>
@@ -7270,41 +7653,6 @@
           </a:p>
         </p:txBody>
       </p:sp>
-      <p:pic>
-        <p:nvPicPr>
-          <p:cNvPr id="2" name="Picture 1" descr="A close-up of logos&#10;&#10;AI-generated content may be incorrect.">
-            <a:extLst>
-              <a:ext uri="{FF2B5EF4-FFF2-40B4-BE49-F238E27FC236}">
-                <a16:creationId xmlns:a16="http://schemas.microsoft.com/office/drawing/2014/main" id="{6AE54C41-76C3-008E-C038-5809E3E05745}"/>
-              </a:ext>
-            </a:extLst>
-          </p:cNvPr>
-          <p:cNvPicPr>
-            <a:picLocks noChangeAspect="1"/>
-          </p:cNvPicPr>
-          <p:nvPr/>
-        </p:nvPicPr>
-        <p:blipFill>
-          <a:blip r:embed="rId2">
-            <a:extLst>
-              <a:ext uri="{28A0092B-C50C-407E-A947-70E740481C1C}">
-                <a14:useLocalDpi xmlns:a14="http://schemas.microsoft.com/office/drawing/2010/main" val="0"/>
-              </a:ext>
-            </a:extLst>
-          </a:blip>
-          <a:srcRect l="19397" t="10359" r="13231" b="13429"/>
-          <a:stretch/>
-        </p:blipFill>
-        <p:spPr>
-          <a:xfrm>
-            <a:off x="328174" y="221380"/>
-            <a:ext cx="1519084" cy="873512"/>
-          </a:xfrm>
-          <a:prstGeom prst="rect">
-            <a:avLst/>
-          </a:prstGeom>
-        </p:spPr>
-      </p:pic>
     </p:spTree>
     <p:extLst>
       <p:ext uri="{BB962C8B-B14F-4D97-AF65-F5344CB8AC3E}">
@@ -7315,13 +7663,13 @@
   <p:clrMapOvr>
     <a:masterClrMapping/>
   </p:clrMapOvr>
-  <mc:AlternateContent xmlns:mc="http://schemas.openxmlformats.org/markup-compatibility/2006">
-    <mc:Choice xmlns:p14="http://schemas.microsoft.com/office/powerpoint/2010/main" Requires="p14">
+  <mc:AlternateContent xmlns:mc="http://schemas.openxmlformats.org/markup-compatibility/2006" xmlns:p14="http://schemas.microsoft.com/office/powerpoint/2010/main">
+    <mc:Choice Requires="p14">
       <p:transition spd="slow" p14:dur="800">
         <p14:flythrough dir="out"/>
       </p:transition>
     </mc:Choice>
-    <mc:Fallback>
+    <mc:Fallback xmlns="">
       <p:transition spd="slow">
         <p:fade/>
       </p:transition>
@@ -7367,9 +7715,10 @@
           <a:prstGeom prst="flowChartAlternateProcess">
             <a:avLst/>
           </a:prstGeom>
-          <a:solidFill>
-            <a:schemeClr val="bg1"/>
-          </a:solidFill>
+          <a:noFill/>
+          <a:ln>
+            <a:noFill/>
+          </a:ln>
         </p:spPr>
         <p:style>
           <a:lnRef idx="2">
@@ -7392,7 +7741,11 @@
           <a:lstStyle/>
           <a:p>
             <a:pPr algn="ctr"/>
-            <a:endParaRPr lang="en-US"/>
+            <a:endParaRPr lang="en-US">
+              <a:solidFill>
+                <a:schemeClr val="bg1"/>
+              </a:solidFill>
+            </a:endParaRPr>
           </a:p>
         </p:txBody>
       </p:sp>
@@ -7452,7 +7805,7 @@
           <a:p>
             <a:fld id="{D8756DB4-2281-4A04-AFB3-863AE7103810}" type="datetime1">
               <a:rPr lang="en-US" smtClean="0"/>
-              <a:t>4/11/2025</a:t>
+              <a:t>4/18/2025</a:t>
             </a:fld>
             <a:endParaRPr lang="en-US"/>
           </a:p>
@@ -7537,48 +7890,13 @@
               </a:ext>
             </a:extLst>
           </a:blip>
-          <a:srcRect l="31771" r="14248" b="25378"/>
+          <a:srcRect t="5655" b="5655"/>
           <a:stretch/>
         </p:blipFill>
         <p:spPr>
           <a:xfrm rot="20574838">
-            <a:off x="4643284" y="1977649"/>
-            <a:ext cx="2905432" cy="1643081"/>
-          </a:xfrm>
-          <a:prstGeom prst="rect">
-            <a:avLst/>
-          </a:prstGeom>
-        </p:spPr>
-      </p:pic>
-      <p:pic>
-        <p:nvPicPr>
-          <p:cNvPr id="2" name="Picture 1" descr="A close-up of logos&#10;&#10;AI-generated content may be incorrect.">
-            <a:extLst>
-              <a:ext uri="{FF2B5EF4-FFF2-40B4-BE49-F238E27FC236}">
-                <a16:creationId xmlns:a16="http://schemas.microsoft.com/office/drawing/2014/main" id="{8C848582-DF29-7E29-15E9-7D7C80201B84}"/>
-              </a:ext>
-            </a:extLst>
-          </p:cNvPr>
-          <p:cNvPicPr>
-            <a:picLocks noChangeAspect="1"/>
-          </p:cNvPicPr>
-          <p:nvPr/>
-        </p:nvPicPr>
-        <p:blipFill>
-          <a:blip r:embed="rId3">
-            <a:extLst>
-              <a:ext uri="{28A0092B-C50C-407E-A947-70E740481C1C}">
-                <a14:useLocalDpi xmlns:a14="http://schemas.microsoft.com/office/drawing/2010/main" val="0"/>
-              </a:ext>
-            </a:extLst>
-          </a:blip>
-          <a:srcRect l="19397" t="10359" r="13231" b="13429"/>
-          <a:stretch/>
-        </p:blipFill>
-        <p:spPr>
-          <a:xfrm>
-            <a:off x="328174" y="221380"/>
-            <a:ext cx="1519084" cy="873512"/>
+            <a:off x="4891711" y="1938323"/>
+            <a:ext cx="2700805" cy="1527360"/>
           </a:xfrm>
           <a:prstGeom prst="rect">
             <a:avLst/>
@@ -7678,7 +7996,7 @@
           <a:p>
             <a:fld id="{33CA892F-242B-4076-B931-FD79683BF6A9}" type="datetime1">
               <a:rPr lang="en-US" smtClean="0"/>
-              <a:t>4/11/2025</a:t>
+              <a:t>4/18/2025</a:t>
             </a:fld>
             <a:endParaRPr lang="en-US"/>
           </a:p>
@@ -7815,13 +8133,13 @@
   <p:clrMapOvr>
     <a:masterClrMapping/>
   </p:clrMapOvr>
-  <mc:AlternateContent xmlns:mc="http://schemas.openxmlformats.org/markup-compatibility/2006">
-    <mc:Choice xmlns:p14="http://schemas.microsoft.com/office/powerpoint/2010/main" Requires="p14">
+  <mc:AlternateContent xmlns:mc="http://schemas.openxmlformats.org/markup-compatibility/2006" xmlns:p14="http://schemas.microsoft.com/office/powerpoint/2010/main">
+    <mc:Choice Requires="p14">
       <p:transition spd="slow" p14:dur="1500">
         <p:split orient="vert"/>
       </p:transition>
     </mc:Choice>
-    <mc:Fallback>
+    <mc:Fallback xmlns="">
       <p:transition spd="slow">
         <p:split orient="vert"/>
       </p:transition>
@@ -7874,7 +8192,7 @@
           <a:lstStyle/>
           <a:p>
             <a:r>
-              <a:rPr lang="en-US" sz="4400"/>
+              <a:rPr lang="en-US"/>
               <a:t>INTRODUCTION</a:t>
             </a:r>
           </a:p>
@@ -7903,7 +8221,7 @@
           <a:p>
             <a:fld id="{1659C53C-9D51-47F6-A96E-1861044B74B7}" type="datetime1">
               <a:rPr lang="en-US" smtClean="0"/>
-              <a:t>4/11/2025</a:t>
+              <a:t>4/18/2025</a:t>
             </a:fld>
             <a:endParaRPr lang="en-US"/>
           </a:p>
@@ -7932,11 +8250,13 @@
           </a:xfrm>
         </p:spPr>
         <p:txBody>
-          <a:bodyPr/>
-          <a:lstStyle/>
-          <a:p>
-            <a:r>
-              <a:rPr lang="en-US"/>
+          <a:bodyPr>
+            <a:normAutofit lnSpcReduction="10000"/>
+          </a:bodyPr>
+          <a:lstStyle/>
+          <a:p>
+            <a:r>
+              <a:rPr lang="en-US" sz="4000"/>
               <a:t>TEAM 3 – CT25_CPL_JAVA_01</a:t>
             </a:r>
           </a:p>
@@ -7999,41 +8319,6 @@
           </a:p>
         </p:txBody>
       </p:sp>
-      <p:pic>
-        <p:nvPicPr>
-          <p:cNvPr id="2" name="Picture 1" descr="A close-up of logos&#10;&#10;AI-generated content may be incorrect.">
-            <a:extLst>
-              <a:ext uri="{FF2B5EF4-FFF2-40B4-BE49-F238E27FC236}">
-                <a16:creationId xmlns:a16="http://schemas.microsoft.com/office/drawing/2014/main" id="{3919DF9E-E904-99FE-1D66-C0844D35D4AC}"/>
-              </a:ext>
-            </a:extLst>
-          </p:cNvPr>
-          <p:cNvPicPr>
-            <a:picLocks noChangeAspect="1"/>
-          </p:cNvPicPr>
-          <p:nvPr/>
-        </p:nvPicPr>
-        <p:blipFill>
-          <a:blip r:embed="rId2">
-            <a:extLst>
-              <a:ext uri="{28A0092B-C50C-407E-A947-70E740481C1C}">
-                <a14:useLocalDpi xmlns:a14="http://schemas.microsoft.com/office/drawing/2010/main" val="0"/>
-              </a:ext>
-            </a:extLst>
-          </a:blip>
-          <a:srcRect l="19397" t="10359" r="13231" b="13429"/>
-          <a:stretch/>
-        </p:blipFill>
-        <p:spPr>
-          <a:xfrm>
-            <a:off x="328174" y="221380"/>
-            <a:ext cx="1519084" cy="873512"/>
-          </a:xfrm>
-          <a:prstGeom prst="rect">
-            <a:avLst/>
-          </a:prstGeom>
-        </p:spPr>
-      </p:pic>
     </p:spTree>
     <p:extLst>
       <p:ext uri="{BB962C8B-B14F-4D97-AF65-F5344CB8AC3E}">
@@ -8258,7 +8543,7 @@
           <a:p>
             <a:fld id="{152464C3-0E89-4D32-87CA-EB5E834342A6}" type="datetime1">
               <a:rPr lang="en-US" smtClean="0"/>
-              <a:t>4/11/2025</a:t>
+              <a:t>4/18/2025</a:t>
             </a:fld>
             <a:endParaRPr lang="en-US"/>
           </a:p>
@@ -8331,13 +8616,13 @@
   <p:clrMapOvr>
     <a:masterClrMapping/>
   </p:clrMapOvr>
-  <mc:AlternateContent xmlns:mc="http://schemas.openxmlformats.org/markup-compatibility/2006">
-    <mc:Choice xmlns:p14="http://schemas.microsoft.com/office/powerpoint/2010/main" Requires="p14">
+  <mc:AlternateContent xmlns:mc="http://schemas.openxmlformats.org/markup-compatibility/2006" xmlns:p14="http://schemas.microsoft.com/office/powerpoint/2010/main">
+    <mc:Choice Requires="p14">
       <p:transition spd="med" p14:dur="700">
         <p:fade/>
       </p:transition>
     </mc:Choice>
-    <mc:Fallback>
+    <mc:Fallback xmlns="">
       <p:transition spd="med">
         <p:fade/>
       </p:transition>
@@ -8478,7 +8763,7 @@
           <a:p>
             <a:fld id="{FD93472B-631A-4C05-B95B-FCCF87CCACD1}" type="datetime1">
               <a:rPr lang="en-US" smtClean="0"/>
-              <a:t>4/11/2025</a:t>
+              <a:t>4/18/2025</a:t>
             </a:fld>
             <a:endParaRPr lang="en-US"/>
           </a:p>
@@ -8692,13 +8977,13 @@
   <p:clrMapOvr>
     <a:masterClrMapping/>
   </p:clrMapOvr>
-  <mc:AlternateContent xmlns:mc="http://schemas.openxmlformats.org/markup-compatibility/2006">
-    <mc:Choice xmlns:p14="http://schemas.microsoft.com/office/powerpoint/2010/main" Requires="p14">
+  <mc:AlternateContent xmlns:mc="http://schemas.openxmlformats.org/markup-compatibility/2006" xmlns:p14="http://schemas.microsoft.com/office/powerpoint/2010/main">
+    <mc:Choice Requires="p14">
       <p:transition spd="med" p14:dur="700">
         <p:fade/>
       </p:transition>
     </mc:Choice>
-    <mc:Fallback>
+    <mc:Fallback xmlns="">
       <p:transition spd="med">
         <p:fade/>
       </p:transition>
@@ -8728,14 +9013,104 @@
                             </p:stCondLst>
                             <p:childTnLst>
                               <p:par>
-                                <p:cTn id="5" presetID="42" presetClass="entr" presetSubtype="0" fill="hold" nodeType="withEffect">
+                                <p:cTn id="5" presetID="42" presetClass="entr" presetSubtype="0" fill="hold" nodeType="afterEffect">
                                   <p:stCondLst>
-                                    <p:cond delay="500"/>
+                                    <p:cond delay="0"/>
                                   </p:stCondLst>
                                   <p:childTnLst>
                                     <p:set>
                                       <p:cBhvr>
                                         <p:cTn id="6" dur="1" fill="hold">
+                                          <p:stCondLst>
+                                            <p:cond delay="0"/>
+                                          </p:stCondLst>
+                                        </p:cTn>
+                                        <p:tgtEl>
+                                          <p:spTgt spid="7"/>
+                                        </p:tgtEl>
+                                        <p:attrNameLst>
+                                          <p:attrName>style.visibility</p:attrName>
+                                        </p:attrNameLst>
+                                      </p:cBhvr>
+                                      <p:to>
+                                        <p:strVal val="visible"/>
+                                      </p:to>
+                                    </p:set>
+                                    <p:animEffect transition="in" filter="fade">
+                                      <p:cBhvr>
+                                        <p:cTn id="7" dur="1000"/>
+                                        <p:tgtEl>
+                                          <p:spTgt spid="7"/>
+                                        </p:tgtEl>
+                                      </p:cBhvr>
+                                    </p:animEffect>
+                                    <p:anim calcmode="lin" valueType="num">
+                                      <p:cBhvr>
+                                        <p:cTn id="8" dur="1000" fill="hold"/>
+                                        <p:tgtEl>
+                                          <p:spTgt spid="7"/>
+                                        </p:tgtEl>
+                                        <p:attrNameLst>
+                                          <p:attrName>ppt_x</p:attrName>
+                                        </p:attrNameLst>
+                                      </p:cBhvr>
+                                      <p:tavLst>
+                                        <p:tav tm="0">
+                                          <p:val>
+                                            <p:strVal val="#ppt_x"/>
+                                          </p:val>
+                                        </p:tav>
+                                        <p:tav tm="100000">
+                                          <p:val>
+                                            <p:strVal val="#ppt_x"/>
+                                          </p:val>
+                                        </p:tav>
+                                      </p:tavLst>
+                                    </p:anim>
+                                    <p:anim calcmode="lin" valueType="num">
+                                      <p:cBhvr>
+                                        <p:cTn id="9" dur="1000" fill="hold"/>
+                                        <p:tgtEl>
+                                          <p:spTgt spid="7"/>
+                                        </p:tgtEl>
+                                        <p:attrNameLst>
+                                          <p:attrName>ppt_y</p:attrName>
+                                        </p:attrNameLst>
+                                      </p:cBhvr>
+                                      <p:tavLst>
+                                        <p:tav tm="0">
+                                          <p:val>
+                                            <p:strVal val="#ppt_y+.1"/>
+                                          </p:val>
+                                        </p:tav>
+                                        <p:tav tm="100000">
+                                          <p:val>
+                                            <p:strVal val="#ppt_y"/>
+                                          </p:val>
+                                        </p:tav>
+                                      </p:tavLst>
+                                    </p:anim>
+                                  </p:childTnLst>
+                                </p:cTn>
+                              </p:par>
+                            </p:childTnLst>
+                          </p:cTn>
+                        </p:par>
+                        <p:par>
+                          <p:cTn id="10" fill="hold">
+                            <p:stCondLst>
+                              <p:cond delay="1000"/>
+                            </p:stCondLst>
+                            <p:childTnLst>
+                              <p:par>
+                                <p:cTn id="11" presetID="42" presetClass="entr" presetSubtype="0" fill="hold" nodeType="afterEffect">
+                                  <p:stCondLst>
+                                    <p:cond delay="0"/>
+                                  </p:stCondLst>
+                                  <p:childTnLst>
+                                    <p:set>
+                                      <p:cBhvr>
+                                        <p:cTn id="12" dur="1" fill="hold">
                                           <p:stCondLst>
                                             <p:cond delay="0"/>
                                           </p:stCondLst>
@@ -8753,7 +9128,7 @@
                                     </p:set>
                                     <p:animEffect transition="in" filter="fade">
                                       <p:cBhvr>
-                                        <p:cTn id="7" dur="1000"/>
+                                        <p:cTn id="13" dur="1000"/>
                                         <p:tgtEl>
                                           <p:spTgt spid="8"/>
                                         </p:tgtEl>
@@ -8761,7 +9136,7 @@
                                     </p:animEffect>
                                     <p:anim calcmode="lin" valueType="num">
                                       <p:cBhvr>
-                                        <p:cTn id="8" dur="1000" fill="hold"/>
+                                        <p:cTn id="14" dur="1000" fill="hold"/>
                                         <p:tgtEl>
                                           <p:spTgt spid="8"/>
                                         </p:tgtEl>
@@ -8784,7 +9159,7 @@
                                     </p:anim>
                                     <p:anim calcmode="lin" valueType="num">
                                       <p:cBhvr>
-                                        <p:cTn id="9" dur="1000" fill="hold"/>
+                                        <p:cTn id="15" dur="1000" fill="hold"/>
                                         <p:tgtEl>
                                           <p:spTgt spid="8"/>
                                         </p:tgtEl>
@@ -8808,21 +9183,30 @@
                                   </p:childTnLst>
                                 </p:cTn>
                               </p:par>
+                            </p:childTnLst>
+                          </p:cTn>
+                        </p:par>
+                        <p:par>
+                          <p:cTn id="16" fill="hold">
+                            <p:stCondLst>
+                              <p:cond delay="2000"/>
+                            </p:stCondLst>
+                            <p:childTnLst>
                               <p:par>
-                                <p:cTn id="10" presetID="42" presetClass="entr" presetSubtype="0" fill="hold" nodeType="withEffect">
+                                <p:cTn id="17" presetID="42" presetClass="entr" presetSubtype="0" fill="hold" nodeType="afterEffect">
                                   <p:stCondLst>
-                                    <p:cond delay="500"/>
+                                    <p:cond delay="0"/>
                                   </p:stCondLst>
                                   <p:childTnLst>
                                     <p:set>
                                       <p:cBhvr>
-                                        <p:cTn id="11" dur="1" fill="hold">
+                                        <p:cTn id="18" dur="1" fill="hold">
                                           <p:stCondLst>
                                             <p:cond delay="0"/>
                                           </p:stCondLst>
                                         </p:cTn>
                                         <p:tgtEl>
-                                          <p:spTgt spid="7"/>
+                                          <p:spTgt spid="1026"/>
                                         </p:tgtEl>
                                         <p:attrNameLst>
                                           <p:attrName>style.visibility</p:attrName>
@@ -8834,17 +9218,17 @@
                                     </p:set>
                                     <p:animEffect transition="in" filter="fade">
                                       <p:cBhvr>
-                                        <p:cTn id="12" dur="1000"/>
+                                        <p:cTn id="19" dur="1000"/>
                                         <p:tgtEl>
-                                          <p:spTgt spid="7"/>
+                                          <p:spTgt spid="1026"/>
                                         </p:tgtEl>
                                       </p:cBhvr>
                                     </p:animEffect>
                                     <p:anim calcmode="lin" valueType="num">
                                       <p:cBhvr>
-                                        <p:cTn id="13" dur="1000" fill="hold"/>
+                                        <p:cTn id="20" dur="1000" fill="hold"/>
                                         <p:tgtEl>
-                                          <p:spTgt spid="7"/>
+                                          <p:spTgt spid="1026"/>
                                         </p:tgtEl>
                                         <p:attrNameLst>
                                           <p:attrName>ppt_x</p:attrName>
@@ -8865,9 +9249,9 @@
                                     </p:anim>
                                     <p:anim calcmode="lin" valueType="num">
                                       <p:cBhvr>
-                                        <p:cTn id="14" dur="1000" fill="hold"/>
+                                        <p:cTn id="21" dur="1000" fill="hold"/>
                                         <p:tgtEl>
-                                          <p:spTgt spid="7"/>
+                                          <p:spTgt spid="1026"/>
                                         </p:tgtEl>
                                         <p:attrNameLst>
                                           <p:attrName>ppt_y</p:attrName>
@@ -9073,7 +9457,7 @@
           <a:p>
             <a:fld id="{FD93472B-631A-4C05-B95B-FCCF87CCACD1}" type="datetime1">
               <a:rPr lang="en-US" smtClean="0"/>
-              <a:t>4/11/2025</a:t>
+              <a:t>4/18/2025</a:t>
             </a:fld>
             <a:endParaRPr lang="en-US"/>
           </a:p>
@@ -9146,13 +9530,13 @@
   <p:clrMapOvr>
     <a:masterClrMapping/>
   </p:clrMapOvr>
-  <mc:AlternateContent xmlns:mc="http://schemas.openxmlformats.org/markup-compatibility/2006">
-    <mc:Choice xmlns:p14="http://schemas.microsoft.com/office/powerpoint/2010/main" Requires="p14">
+  <mc:AlternateContent xmlns:mc="http://schemas.openxmlformats.org/markup-compatibility/2006" xmlns:p14="http://schemas.microsoft.com/office/powerpoint/2010/main">
+    <mc:Choice Requires="p14">
       <p:transition spd="med" p14:dur="700">
         <p:fade/>
       </p:transition>
     </mc:Choice>
-    <mc:Fallback>
+    <mc:Fallback xmlns="">
       <p:transition spd="med">
         <p:fade/>
       </p:transition>
@@ -9211,7 +9595,7 @@
           <a:lstStyle/>
           <a:p>
             <a:r>
-              <a:rPr lang="en-US" sz="4400"/>
+              <a:rPr lang="en-US"/>
               <a:t>DATABASE DIAGRAM</a:t>
             </a:r>
           </a:p>
@@ -9240,7 +9624,7 @@
           <a:p>
             <a:fld id="{1659C53C-9D51-47F6-A96E-1861044B74B7}" type="datetime1">
               <a:rPr lang="en-US" smtClean="0"/>
-              <a:t>4/11/2025</a:t>
+              <a:t>4/18/2025</a:t>
             </a:fld>
             <a:endParaRPr lang="en-US"/>
           </a:p>
@@ -9269,11 +9653,13 @@
           </a:xfrm>
         </p:spPr>
         <p:txBody>
-          <a:bodyPr/>
-          <a:lstStyle/>
-          <a:p>
-            <a:r>
-              <a:rPr lang="en-US"/>
+          <a:bodyPr>
+            <a:normAutofit/>
+          </a:bodyPr>
+          <a:lstStyle/>
+          <a:p>
+            <a:r>
+              <a:rPr lang="en-US" sz="3600"/>
               <a:t>TEAM 3 – CT25_CPL_JAVA_01</a:t>
             </a:r>
           </a:p>
@@ -9336,41 +9722,6 @@
           </a:p>
         </p:txBody>
       </p:sp>
-      <p:pic>
-        <p:nvPicPr>
-          <p:cNvPr id="2" name="Picture 1" descr="A close-up of logos&#10;&#10;AI-generated content may be incorrect.">
-            <a:extLst>
-              <a:ext uri="{FF2B5EF4-FFF2-40B4-BE49-F238E27FC236}">
-                <a16:creationId xmlns:a16="http://schemas.microsoft.com/office/drawing/2014/main" id="{E0A5CCBE-E572-653A-3058-525E3C77F6C5}"/>
-              </a:ext>
-            </a:extLst>
-          </p:cNvPr>
-          <p:cNvPicPr>
-            <a:picLocks noChangeAspect="1"/>
-          </p:cNvPicPr>
-          <p:nvPr/>
-        </p:nvPicPr>
-        <p:blipFill>
-          <a:blip r:embed="rId2">
-            <a:extLst>
-              <a:ext uri="{28A0092B-C50C-407E-A947-70E740481C1C}">
-                <a14:useLocalDpi xmlns:a14="http://schemas.microsoft.com/office/drawing/2010/main" val="0"/>
-              </a:ext>
-            </a:extLst>
-          </a:blip>
-          <a:srcRect l="19397" t="10359" r="13231" b="13429"/>
-          <a:stretch/>
-        </p:blipFill>
-        <p:spPr>
-          <a:xfrm>
-            <a:off x="328174" y="221380"/>
-            <a:ext cx="1519084" cy="873512"/>
-          </a:xfrm>
-          <a:prstGeom prst="rect">
-            <a:avLst/>
-          </a:prstGeom>
-        </p:spPr>
-      </p:pic>
     </p:spTree>
     <p:extLst>
       <p:ext uri="{BB962C8B-B14F-4D97-AF65-F5344CB8AC3E}">
@@ -9464,7 +9815,7 @@
           <a:p>
             <a:fld id="{FD93472B-631A-4C05-B95B-FCCF87CCACD1}" type="datetime1">
               <a:rPr lang="en-US" smtClean="0"/>
-              <a:t>4/11/2025</a:t>
+              <a:t>4/18/2025</a:t>
             </a:fld>
             <a:endParaRPr lang="en-US"/>
           </a:p>
@@ -9584,13 +9935,13 @@
   <p:clrMapOvr>
     <a:masterClrMapping/>
   </p:clrMapOvr>
-  <mc:AlternateContent xmlns:mc="http://schemas.openxmlformats.org/markup-compatibility/2006">
-    <mc:Choice xmlns:p14="http://schemas.microsoft.com/office/powerpoint/2010/main" Requires="p14">
+  <mc:AlternateContent xmlns:mc="http://schemas.openxmlformats.org/markup-compatibility/2006" xmlns:p14="http://schemas.microsoft.com/office/powerpoint/2010/main">
+    <mc:Choice Requires="p14">
       <p:transition spd="med" p14:dur="700">
         <p:fade/>
       </p:transition>
     </mc:Choice>
-    <mc:Fallback>
+    <mc:Fallback xmlns="">
       <p:transition spd="med">
         <p:fade/>
       </p:transition>
@@ -9673,7 +10024,7 @@
           <a:p>
             <a:fld id="{FD93472B-631A-4C05-B95B-FCCF87CCACD1}" type="datetime1">
               <a:rPr lang="en-US" smtClean="0"/>
-              <a:t>4/11/2025</a:t>
+              <a:t>4/18/2025</a:t>
             </a:fld>
             <a:endParaRPr lang="en-US"/>
           </a:p>
@@ -9793,13 +10144,13 @@
   <p:clrMapOvr>
     <a:masterClrMapping/>
   </p:clrMapOvr>
-  <mc:AlternateContent xmlns:mc="http://schemas.openxmlformats.org/markup-compatibility/2006">
-    <mc:Choice xmlns:p159="http://schemas.microsoft.com/office/powerpoint/2015/09/main" Requires="p159">
+  <mc:AlternateContent xmlns:mc="http://schemas.openxmlformats.org/markup-compatibility/2006" xmlns:p159="http://schemas.microsoft.com/office/powerpoint/2015/09/main">
+    <mc:Choice Requires="p159">
       <p:transition xmlns:p14="http://schemas.microsoft.com/office/powerpoint/2010/main" spd="slow" p14:dur="2000">
         <p159:morph option="byObject"/>
       </p:transition>
     </mc:Choice>
-    <mc:Fallback>
+    <mc:Fallback xmlns="">
       <p:transition spd="slow">
         <p:fade/>
       </p:transition>
@@ -11012,18 +11363,18 @@
 <file path=customXml/itemProps1.xml><?xml version="1.0" encoding="utf-8"?>
 <ds:datastoreItem xmlns:ds="http://schemas.openxmlformats.org/officeDocument/2006/customXml" ds:itemID="{B30954F7-9653-4C40-90E2-1FD4A37690B5}">
   <ds:schemaRefs>
-    <ds:schemaRef ds:uri="http://schemas.microsoft.com/office/2006/metadata/contentType"/>
-    <ds:schemaRef ds:uri="http://schemas.microsoft.com/office/2006/metadata/properties/metaAttributes"/>
-    <ds:schemaRef ds:uri="http://www.w3.org/2001/XMLSchema"/>
-    <ds:schemaRef ds:uri="http://schemas.microsoft.com/office/2006/metadata/properties"/>
     <ds:schemaRef ds:uri="b4905d01-e093-4319-834e-172ad82b9aa8"/>
     <ds:schemaRef ds:uri="f5178069-c645-44a4-8de6-88a907926675"/>
-    <ds:schemaRef ds:uri="http://schemas.microsoft.com/office/2006/documentManagement/types"/>
-    <ds:schemaRef ds:uri="http://schemas.microsoft.com/office/infopath/2007/PartnerControls"/>
-    <ds:schemaRef ds:uri="http://schemas.openxmlformats.org/package/2006/metadata/core-properties"/>
     <ds:schemaRef ds:uri="http://purl.org/dc/elements/1.1/"/>
     <ds:schemaRef ds:uri="http://purl.org/dc/terms/"/>
     <ds:schemaRef ds:uri="http://schemas.microsoft.com/internal/obd"/>
+    <ds:schemaRef ds:uri="http://schemas.microsoft.com/office/2006/documentManagement/types"/>
+    <ds:schemaRef ds:uri="http://schemas.microsoft.com/office/2006/metadata/contentType"/>
+    <ds:schemaRef ds:uri="http://schemas.microsoft.com/office/2006/metadata/properties"/>
+    <ds:schemaRef ds:uri="http://schemas.microsoft.com/office/2006/metadata/properties/metaAttributes"/>
+    <ds:schemaRef ds:uri="http://schemas.microsoft.com/office/infopath/2007/PartnerControls"/>
+    <ds:schemaRef ds:uri="http://schemas.openxmlformats.org/package/2006/metadata/core-properties"/>
+    <ds:schemaRef ds:uri="http://www.w3.org/2001/XMLSchema"/>
   </ds:schemaRefs>
 </ds:datastoreItem>
 </file>
@@ -11039,16 +11390,16 @@
 <file path=customXml/itemProps3.xml><?xml version="1.0" encoding="utf-8"?>
 <ds:datastoreItem xmlns:ds="http://schemas.openxmlformats.org/officeDocument/2006/customXml" ds:itemID="{62DFF9F3-7964-4366-AF49-D3019CB29E54}">
   <ds:schemaRefs>
+    <ds:schemaRef ds:uri="http://schemas.openxmlformats.org/package/2006/metadata/core-properties"/>
+    <ds:schemaRef ds:uri="http://www.w3.org/XML/1998/namespace"/>
+    <ds:schemaRef ds:uri="http://schemas.microsoft.com/office/infopath/2007/PartnerControls"/>
     <ds:schemaRef ds:uri="http://schemas.microsoft.com/office/2006/documentManagement/types"/>
+    <ds:schemaRef ds:uri="http://purl.org/dc/elements/1.1/"/>
     <ds:schemaRef ds:uri="http://purl.org/dc/terms/"/>
-    <ds:schemaRef ds:uri="http://www.w3.org/XML/1998/namespace"/>
+    <ds:schemaRef ds:uri="f5178069-c645-44a4-8de6-88a907926675"/>
     <ds:schemaRef ds:uri="b4905d01-e093-4319-834e-172ad82b9aa8"/>
+    <ds:schemaRef ds:uri="http://schemas.microsoft.com/office/2006/metadata/properties"/>
     <ds:schemaRef ds:uri="http://purl.org/dc/dcmitype/"/>
-    <ds:schemaRef ds:uri="http://schemas.microsoft.com/office/infopath/2007/PartnerControls"/>
-    <ds:schemaRef ds:uri="http://schemas.openxmlformats.org/package/2006/metadata/core-properties"/>
-    <ds:schemaRef ds:uri="f5178069-c645-44a4-8de6-88a907926675"/>
-    <ds:schemaRef ds:uri="http://schemas.microsoft.com/office/2006/metadata/properties"/>
-    <ds:schemaRef ds:uri="http://purl.org/dc/elements/1.1/"/>
   </ds:schemaRefs>
 </ds:datastoreItem>
 </file>